--- a/source/foundations/_static/big_oh/big_oh.pptx
+++ b/source/foundations/_static/big_oh/big_oh.pptx
@@ -218,7 +218,7 @@
           <a:p>
             <a:fld id="{84F29782-C61A-CD4C-9376-B0A272778357}" type="datetimeFigureOut">
               <a:rPr lang="en-NO" smtClean="0"/>
-              <a:t>26/08/2022</a:t>
+              <a:t>28/08/2023</a:t>
             </a:fld>
             <a:endParaRPr lang="en-NO"/>
           </a:p>
@@ -4304,7 +4304,60 @@
           <a:p>
             <a:r>
               <a:rPr lang="en-NO" dirty="0"/>
-              <a:t>Week 2 / Lecture 3</a:t>
+              <a:t>Foundations / Lecture 6</a:t>
+            </a:r>
+          </a:p>
+        </p:txBody>
+      </p:sp>
+      <p:sp>
+        <p:nvSpPr>
+          <p:cNvPr id="8" name="TextBox 7">
+            <a:extLst>
+              <a:ext uri="{FF2B5EF4-FFF2-40B4-BE49-F238E27FC236}">
+                <a16:creationId xmlns:a16="http://schemas.microsoft.com/office/drawing/2014/main" id="{0A6AE123-4A20-D2DE-4BCF-54D3D7D6789B}"/>
+              </a:ext>
+            </a:extLst>
+          </p:cNvPr>
+          <p:cNvSpPr txBox="1"/>
+          <p:nvPr/>
+        </p:nvSpPr>
+        <p:spPr>
+          <a:xfrm>
+            <a:off x="8305216" y="5620413"/>
+            <a:ext cx="3639138" cy="646331"/>
+          </a:xfrm>
+          <a:prstGeom prst="rect">
+            <a:avLst/>
+          </a:prstGeom>
+          <a:noFill/>
+        </p:spPr>
+        <p:txBody>
+          <a:bodyPr wrap="none" rtlCol="0">
+            <a:spAutoFit/>
+          </a:bodyPr>
+          <a:lstStyle/>
+          <a:p>
+            <a:pPr algn="r"/>
+            <a:r>
+              <a:rPr lang="en-NO" b="1" dirty="0">
+                <a:solidFill>
+                  <a:schemeClr val="accent6"/>
+                </a:solidFill>
+                <a:latin typeface="Montserrat" pitchFamily="2" charset="77"/>
+              </a:rPr>
+              <a:t>Ask questions on menti.com</a:t>
+            </a:r>
+          </a:p>
+          <a:p>
+            <a:pPr algn="r"/>
+            <a:r>
+              <a:rPr lang="en-NO" b="1" dirty="0">
+                <a:solidFill>
+                  <a:schemeClr val="accent6"/>
+                </a:solidFill>
+                <a:latin typeface="Montserrat" pitchFamily="2" charset="77"/>
+              </a:rPr>
+              <a:t>with code 1384 3192 </a:t>
             </a:r>
           </a:p>
         </p:txBody>
